--- a/Presentation.pptx
+++ b/Presentation.pptx
@@ -211,7 +211,7 @@
           <a:p>
             <a:fld id="{0358DE95-B53F-4775-9C30-627298EF53D7}" type="datetimeFigureOut">
               <a:rPr lang="en-IN" smtClean="0"/>
-              <a:t>17-02-2020</a:t>
+              <a:t>01-09-2020</a:t>
             </a:fld>
             <a:endParaRPr lang="en-IN"/>
           </a:p>
@@ -1927,7 +1927,7 @@
           <a:p>
             <a:fld id="{781F480B-C5F8-49F7-BABF-197323FBD05C}" type="datetimeFigureOut">
               <a:rPr lang="en-IN" smtClean="0"/>
-              <a:t>17-02-2020</a:t>
+              <a:t>01-09-2020</a:t>
             </a:fld>
             <a:endParaRPr lang="en-IN"/>
           </a:p>
@@ -2097,7 +2097,7 @@
           <a:p>
             <a:fld id="{781F480B-C5F8-49F7-BABF-197323FBD05C}" type="datetimeFigureOut">
               <a:rPr lang="en-IN" smtClean="0"/>
-              <a:t>17-02-2020</a:t>
+              <a:t>01-09-2020</a:t>
             </a:fld>
             <a:endParaRPr lang="en-IN"/>
           </a:p>
@@ -2277,7 +2277,7 @@
           <a:p>
             <a:fld id="{781F480B-C5F8-49F7-BABF-197323FBD05C}" type="datetimeFigureOut">
               <a:rPr lang="en-IN" smtClean="0"/>
-              <a:t>17-02-2020</a:t>
+              <a:t>01-09-2020</a:t>
             </a:fld>
             <a:endParaRPr lang="en-IN"/>
           </a:p>
@@ -2447,7 +2447,7 @@
           <a:p>
             <a:fld id="{781F480B-C5F8-49F7-BABF-197323FBD05C}" type="datetimeFigureOut">
               <a:rPr lang="en-IN" smtClean="0"/>
-              <a:t>17-02-2020</a:t>
+              <a:t>01-09-2020</a:t>
             </a:fld>
             <a:endParaRPr lang="en-IN"/>
           </a:p>
@@ -2693,7 +2693,7 @@
           <a:p>
             <a:fld id="{781F480B-C5F8-49F7-BABF-197323FBD05C}" type="datetimeFigureOut">
               <a:rPr lang="en-IN" smtClean="0"/>
-              <a:t>17-02-2020</a:t>
+              <a:t>01-09-2020</a:t>
             </a:fld>
             <a:endParaRPr lang="en-IN"/>
           </a:p>
@@ -2925,7 +2925,7 @@
           <a:p>
             <a:fld id="{781F480B-C5F8-49F7-BABF-197323FBD05C}" type="datetimeFigureOut">
               <a:rPr lang="en-IN" smtClean="0"/>
-              <a:t>17-02-2020</a:t>
+              <a:t>01-09-2020</a:t>
             </a:fld>
             <a:endParaRPr lang="en-IN"/>
           </a:p>
@@ -3292,7 +3292,7 @@
           <a:p>
             <a:fld id="{781F480B-C5F8-49F7-BABF-197323FBD05C}" type="datetimeFigureOut">
               <a:rPr lang="en-IN" smtClean="0"/>
-              <a:t>17-02-2020</a:t>
+              <a:t>01-09-2020</a:t>
             </a:fld>
             <a:endParaRPr lang="en-IN"/>
           </a:p>
@@ -3410,7 +3410,7 @@
           <a:p>
             <a:fld id="{781F480B-C5F8-49F7-BABF-197323FBD05C}" type="datetimeFigureOut">
               <a:rPr lang="en-IN" smtClean="0"/>
-              <a:t>17-02-2020</a:t>
+              <a:t>01-09-2020</a:t>
             </a:fld>
             <a:endParaRPr lang="en-IN"/>
           </a:p>
@@ -3505,7 +3505,7 @@
           <a:p>
             <a:fld id="{781F480B-C5F8-49F7-BABF-197323FBD05C}" type="datetimeFigureOut">
               <a:rPr lang="en-IN" smtClean="0"/>
-              <a:t>17-02-2020</a:t>
+              <a:t>01-09-2020</a:t>
             </a:fld>
             <a:endParaRPr lang="en-IN"/>
           </a:p>
@@ -3782,7 +3782,7 @@
           <a:p>
             <a:fld id="{781F480B-C5F8-49F7-BABF-197323FBD05C}" type="datetimeFigureOut">
               <a:rPr lang="en-IN" smtClean="0"/>
-              <a:t>17-02-2020</a:t>
+              <a:t>01-09-2020</a:t>
             </a:fld>
             <a:endParaRPr lang="en-IN"/>
           </a:p>
@@ -4035,7 +4035,7 @@
           <a:p>
             <a:fld id="{781F480B-C5F8-49F7-BABF-197323FBD05C}" type="datetimeFigureOut">
               <a:rPr lang="en-IN" smtClean="0"/>
-              <a:t>17-02-2020</a:t>
+              <a:t>01-09-2020</a:t>
             </a:fld>
             <a:endParaRPr lang="en-IN"/>
           </a:p>
@@ -4248,7 +4248,7 @@
           <a:p>
             <a:fld id="{781F480B-C5F8-49F7-BABF-197323FBD05C}" type="datetimeFigureOut">
               <a:rPr lang="en-IN" smtClean="0"/>
-              <a:t>17-02-2020</a:t>
+              <a:t>01-09-2020</a:t>
             </a:fld>
             <a:endParaRPr lang="en-IN"/>
           </a:p>
@@ -4816,8 +4816,8 @@
           <a:lstStyle/>
           <a:p>
             <a:r>
-              <a:rPr lang="en-IN" dirty="0" err="1" smtClean="0"/>
-              <a:t>Preprocess</a:t>
+              <a:rPr lang="en-IN" dirty="0" smtClean="0"/>
+              <a:t>Pre-process</a:t>
             </a:r>
             <a:endParaRPr lang="en-IN" dirty="0" smtClean="0"/>
           </a:p>
@@ -7558,12 +7558,12 @@
           </a:p>
           <a:p>
             <a:r>
-              <a:rPr lang="en-IN" dirty="0" err="1" smtClean="0"/>
-              <a:t>Bayesain</a:t>
-            </a:r>
-            <a:r>
               <a:rPr lang="en-IN" dirty="0" smtClean="0"/>
-              <a:t> NN  accounts only for scientific </a:t>
+              <a:t>Bayesian </a:t>
+            </a:r>
+            <a:r>
+              <a:rPr lang="en-IN" dirty="0" smtClean="0"/>
+              <a:t>NN  accounts only for scientific </a:t>
             </a:r>
             <a:r>
               <a:rPr lang="en-IN" dirty="0"/>
@@ -7586,15 +7586,19 @@
             </a:r>
             <a:r>
               <a:rPr lang="en-IN" dirty="0"/>
-              <a:t>framework is based on the concept of default </a:t>
-            </a:r>
-            <a:r>
-              <a:rPr lang="en-IN" dirty="0" err="1"/>
-              <a:t>hyperparameter</a:t>
+              <a:t>framework is based on the concept of </a:t>
+            </a:r>
+            <a:r>
+              <a:rPr lang="en-IN"/>
+              <a:t>default </a:t>
+            </a:r>
+            <a:r>
+              <a:rPr lang="en-IN" smtClean="0"/>
+              <a:t>hyper-parameter </a:t>
             </a:r>
             <a:r>
               <a:rPr lang="en-IN" dirty="0"/>
-              <a:t> values</a:t>
+              <a:t>values</a:t>
             </a:r>
           </a:p>
         </p:txBody>
@@ -8803,12 +8807,8 @@
               <a:t>Ensemble </a:t>
             </a:r>
             <a:r>
-              <a:rPr lang="en-IN" dirty="0" err="1"/>
-              <a:t>A</a:t>
-            </a:r>
-            <a:r>
-              <a:rPr lang="en-IN" dirty="0" err="1" smtClean="0"/>
-              <a:t>pporaches</a:t>
+              <a:rPr lang="en-IN" dirty="0" smtClean="0"/>
+              <a:t>Approaches</a:t>
             </a:r>
             <a:endParaRPr lang="en-IN" dirty="0" smtClean="0"/>
           </a:p>
@@ -9077,12 +9077,20 @@
           <a:p>
             <a:pPr lvl="1"/>
             <a:r>
+              <a:rPr lang="en-US" dirty="0" err="1"/>
+              <a:t>T</a:t>
+            </a:r>
+            <a:r>
               <a:rPr lang="en-US" dirty="0" err="1" smtClean="0"/>
-              <a:t>tanh</a:t>
+              <a:t>anh</a:t>
             </a:r>
             <a:r>
               <a:rPr lang="en-US" dirty="0" smtClean="0"/>
-              <a:t> maps bits to [-1,+1] range</a:t>
+              <a:t> </a:t>
+            </a:r>
+            <a:r>
+              <a:rPr lang="en-US" dirty="0" smtClean="0"/>
+              <a:t>maps bits to [-1,+1] range</a:t>
             </a:r>
           </a:p>
           <a:p>
@@ -9608,16 +9616,12 @@
               <a:t>Framework of </a:t>
             </a:r>
             <a:r>
-              <a:rPr lang="en-IN" dirty="0" err="1"/>
-              <a:t>B</a:t>
-            </a:r>
-            <a:r>
-              <a:rPr lang="en-IN" dirty="0" err="1" smtClean="0"/>
-              <a:t>ayesin</a:t>
-            </a:r>
-            <a:r>
               <a:rPr lang="en-IN" dirty="0" smtClean="0"/>
-              <a:t> LSTM</a:t>
+              <a:t>Bayesian </a:t>
+            </a:r>
+            <a:r>
+              <a:rPr lang="en-IN" dirty="0" smtClean="0"/>
+              <a:t>LSTM</a:t>
             </a:r>
             <a:endParaRPr lang="en-IN" dirty="0"/>
           </a:p>
